--- a/Bank Accout Fraud Detection Using Machine Learning.pptx
+++ b/Bank Accout Fraud Detection Using Machine Learning.pptx
@@ -171,18 +171,18 @@
   <pc:docChgLst>
     <pc:chgData name="narendra reddy reddymalla" userId="463e3907d216d3bc" providerId="LiveId" clId="{3D705CBD-404A-46DC-9FFA-EBCCAAA0C0BA}"/>
     <pc:docChg chg="undo custSel addSld delSld modSld sldOrd">
-      <pc:chgData name="narendra reddy reddymalla" userId="463e3907d216d3bc" providerId="LiveId" clId="{3D705CBD-404A-46DC-9FFA-EBCCAAA0C0BA}" dt="2023-06-18T20:01:24.830" v="3922" actId="255"/>
+      <pc:chgData name="narendra reddy reddymalla" userId="463e3907d216d3bc" providerId="LiveId" clId="{3D705CBD-404A-46DC-9FFA-EBCCAAA0C0BA}" dt="2023-06-18T20:10:05.419" v="3976" actId="20577"/>
       <pc:docMkLst>
         <pc:docMk/>
       </pc:docMkLst>
       <pc:sldChg chg="modSp mod">
-        <pc:chgData name="narendra reddy reddymalla" userId="463e3907d216d3bc" providerId="LiveId" clId="{3D705CBD-404A-46DC-9FFA-EBCCAAA0C0BA}" dt="2023-06-18T20:00:22.550" v="3920" actId="255"/>
+        <pc:chgData name="narendra reddy reddymalla" userId="463e3907d216d3bc" providerId="LiveId" clId="{3D705CBD-404A-46DC-9FFA-EBCCAAA0C0BA}" dt="2023-06-18T20:10:05.419" v="3976" actId="20577"/>
         <pc:sldMkLst>
           <pc:docMk/>
           <pc:sldMk cId="0" sldId="258"/>
         </pc:sldMkLst>
         <pc:graphicFrameChg chg="modGraphic">
-          <ac:chgData name="narendra reddy reddymalla" userId="463e3907d216d3bc" providerId="LiveId" clId="{3D705CBD-404A-46DC-9FFA-EBCCAAA0C0BA}" dt="2023-06-18T20:00:22.550" v="3920" actId="255"/>
+          <ac:chgData name="narendra reddy reddymalla" userId="463e3907d216d3bc" providerId="LiveId" clId="{3D705CBD-404A-46DC-9FFA-EBCCAAA0C0BA}" dt="2023-06-18T20:10:05.419" v="3976" actId="20577"/>
           <ac:graphicFrameMkLst>
             <pc:docMk/>
             <pc:sldMk cId="0" sldId="258"/>
@@ -7198,7 +7198,7 @@
           <p:nvPr>
             <p:extLst>
               <p:ext uri="{D42A27DB-BD31-4B8C-83A1-F6EECF244321}">
-                <p14:modId xmlns:p14="http://schemas.microsoft.com/office/powerpoint/2010/main" val="4106766201"/>
+                <p14:modId xmlns:p14="http://schemas.microsoft.com/office/powerpoint/2010/main" val="1027222955"/>
               </p:ext>
             </p:extLst>
           </p:nvPr>
@@ -7333,7 +7333,7 @@
                           <a:cs typeface="Times New Roman"/>
                           <a:sym typeface="Times New Roman"/>
                         </a:rPr>
-                        <a:t>Akhil Patlori</a:t>
+                        <a:t>Vikram Boppana</a:t>
                       </a:r>
                       <a:endParaRPr sz="1600" dirty="0">
                         <a:latin typeface="Times New Roman"/>
@@ -7523,13 +7523,13 @@
                         <a:buNone/>
                       </a:pPr>
                       <a:r>
-                        <a:rPr lang="en" sz="1600" dirty="0">
+                        <a:rPr lang="en" sz="1600">
                           <a:latin typeface="Times New Roman"/>
                           <a:ea typeface="Times New Roman"/>
                           <a:cs typeface="Times New Roman"/>
                           <a:sym typeface="Times New Roman"/>
                         </a:rPr>
-                        <a:t>Vikram Boppana</a:t>
+                        <a:t>Akhil Patlori</a:t>
                       </a:r>
                       <a:endParaRPr sz="1600" dirty="0">
                         <a:latin typeface="Times New Roman"/>
